--- a/Lab1/WeatherStationArchitecture-16DB6E74.pptx
+++ b/Lab1/WeatherStationArchitecture-16DB6E74.pptx
@@ -282,7 +282,7 @@
           <a:p>
             <a:fld id="{BC64D466-EBB8-4173-9A5F-C54CF0352AA8}" type="datetimeFigureOut">
               <a:rPr lang="en-US" smtClean="0"/>
-              <a:t>12/26/2019</a:t>
+              <a:t>12/30/2019</a:t>
             </a:fld>
             <a:endParaRPr lang="en-US"/>
           </a:p>
@@ -480,7 +480,7 @@
           <a:p>
             <a:fld id="{BC64D466-EBB8-4173-9A5F-C54CF0352AA8}" type="datetimeFigureOut">
               <a:rPr lang="en-US" smtClean="0"/>
-              <a:t>12/26/2019</a:t>
+              <a:t>12/30/2019</a:t>
             </a:fld>
             <a:endParaRPr lang="en-US"/>
           </a:p>
@@ -688,7 +688,7 @@
           <a:p>
             <a:fld id="{BC64D466-EBB8-4173-9A5F-C54CF0352AA8}" type="datetimeFigureOut">
               <a:rPr lang="en-US" smtClean="0"/>
-              <a:t>12/26/2019</a:t>
+              <a:t>12/30/2019</a:t>
             </a:fld>
             <a:endParaRPr lang="en-US"/>
           </a:p>
@@ -886,7 +886,7 @@
           <a:p>
             <a:fld id="{BC64D466-EBB8-4173-9A5F-C54CF0352AA8}" type="datetimeFigureOut">
               <a:rPr lang="en-US" smtClean="0"/>
-              <a:t>12/26/2019</a:t>
+              <a:t>12/30/2019</a:t>
             </a:fld>
             <a:endParaRPr lang="en-US"/>
           </a:p>
@@ -1161,7 +1161,7 @@
           <a:p>
             <a:fld id="{BC64D466-EBB8-4173-9A5F-C54CF0352AA8}" type="datetimeFigureOut">
               <a:rPr lang="en-US" smtClean="0"/>
-              <a:t>12/26/2019</a:t>
+              <a:t>12/30/2019</a:t>
             </a:fld>
             <a:endParaRPr lang="en-US"/>
           </a:p>
@@ -1426,7 +1426,7 @@
           <a:p>
             <a:fld id="{BC64D466-EBB8-4173-9A5F-C54CF0352AA8}" type="datetimeFigureOut">
               <a:rPr lang="en-US" smtClean="0"/>
-              <a:t>12/26/2019</a:t>
+              <a:t>12/30/2019</a:t>
             </a:fld>
             <a:endParaRPr lang="en-US"/>
           </a:p>
@@ -1838,7 +1838,7 @@
           <a:p>
             <a:fld id="{BC64D466-EBB8-4173-9A5F-C54CF0352AA8}" type="datetimeFigureOut">
               <a:rPr lang="en-US" smtClean="0"/>
-              <a:t>12/26/2019</a:t>
+              <a:t>12/30/2019</a:t>
             </a:fld>
             <a:endParaRPr lang="en-US"/>
           </a:p>
@@ -1979,7 +1979,7 @@
           <a:p>
             <a:fld id="{BC64D466-EBB8-4173-9A5F-C54CF0352AA8}" type="datetimeFigureOut">
               <a:rPr lang="en-US" smtClean="0"/>
-              <a:t>12/26/2019</a:t>
+              <a:t>12/30/2019</a:t>
             </a:fld>
             <a:endParaRPr lang="en-US"/>
           </a:p>
@@ -2092,7 +2092,7 @@
           <a:p>
             <a:fld id="{BC64D466-EBB8-4173-9A5F-C54CF0352AA8}" type="datetimeFigureOut">
               <a:rPr lang="en-US" smtClean="0"/>
-              <a:t>12/26/2019</a:t>
+              <a:t>12/30/2019</a:t>
             </a:fld>
             <a:endParaRPr lang="en-US"/>
           </a:p>
@@ -2403,7 +2403,7 @@
           <a:p>
             <a:fld id="{BC64D466-EBB8-4173-9A5F-C54CF0352AA8}" type="datetimeFigureOut">
               <a:rPr lang="en-US" smtClean="0"/>
-              <a:t>12/26/2019</a:t>
+              <a:t>12/30/2019</a:t>
             </a:fld>
             <a:endParaRPr lang="en-US"/>
           </a:p>
@@ -2691,7 +2691,7 @@
           <a:p>
             <a:fld id="{BC64D466-EBB8-4173-9A5F-C54CF0352AA8}" type="datetimeFigureOut">
               <a:rPr lang="en-US" smtClean="0"/>
-              <a:t>12/26/2019</a:t>
+              <a:t>12/30/2019</a:t>
             </a:fld>
             <a:endParaRPr lang="en-US"/>
           </a:p>
@@ -2932,7 +2932,7 @@
           <a:p>
             <a:fld id="{BC64D466-EBB8-4173-9A5F-C54CF0352AA8}" type="datetimeFigureOut">
               <a:rPr lang="en-US" smtClean="0"/>
-              <a:t>12/26/2019</a:t>
+              <a:t>12/30/2019</a:t>
             </a:fld>
             <a:endParaRPr lang="en-US"/>
           </a:p>
@@ -4770,14 +4770,14 @@
           <p:nvPr>
             <p:extLst>
               <p:ext uri="{D42A27DB-BD31-4B8C-83A1-F6EECF244321}">
-                <p14:modId xmlns:p14="http://schemas.microsoft.com/office/powerpoint/2010/main" val="775368094"/>
+                <p14:modId xmlns:p14="http://schemas.microsoft.com/office/powerpoint/2010/main" val="2052485561"/>
               </p:ext>
             </p:extLst>
           </p:nvPr>
         </p:nvGraphicFramePr>
         <p:xfrm>
           <a:off x="375385" y="719666"/>
-          <a:ext cx="11001676" cy="5189253"/>
+          <a:ext cx="11001676" cy="5346711"/>
         </p:xfrm>
         <a:graphic>
           <a:graphicData uri="http://schemas.openxmlformats.org/drawingml/2006/table">
@@ -4910,7 +4910,7 @@
                     <a:p>
                       <a:r>
                         <a:rPr lang="en-US" sz="1400" dirty="0"/>
-                        <a:t>Step “2”,  Azure Stream analytics receives all telemetry data.</a:t>
+                        <a:t>Step “2”,  Azure Stream analytics receives all telemetry data from Azure IoT hub</a:t>
                       </a:r>
                     </a:p>
                   </a:txBody>
@@ -5029,11 +5029,8 @@
                     <a:p>
                       <a:r>
                         <a:rPr lang="en-US" sz="1400" dirty="0"/>
-                        <a:t>Step “4”  Azure function: Evaluate the windspeed and update (action) device twin properties.</a:t>
+                        <a:t>Step “4”  Azure function: Evaluate the windspeed and update (action) LED on device (by updating device twin properties)</a:t>
                       </a:r>
-                    </a:p>
-                    <a:p>
-                      <a:endParaRPr lang="en-US" sz="1400" dirty="0"/>
                     </a:p>
                   </a:txBody>
                   <a:tcPr/>
@@ -5149,7 +5146,7 @@
                     <a:p>
                       <a:r>
                         <a:rPr lang="en-US" sz="1400" dirty="0"/>
-                        <a:t>Step “6” </a:t>
+                        <a:t>Step “6” Azure Streaming Analytics will be used to process stored data on Data Lake Store.</a:t>
                       </a:r>
                     </a:p>
                   </a:txBody>
@@ -5169,7 +5166,7 @@
                     <a:p>
                       <a:r>
                         <a:rPr lang="en-US" sz="1400" dirty="0"/>
-                        <a:t>Azure Streaming Analytics will be used to process incoming data and direct it to the appropriate output.</a:t>
+                        <a:t>Business integration scenarios.</a:t>
                       </a:r>
                     </a:p>
                   </a:txBody>
@@ -5181,9 +5178,11 @@
                     <a:lstStyle/>
                     <a:p>
                       <a:r>
-                        <a:rPr lang="en-US" sz="1400"/>
-                        <a:t>Step “7” </a:t>
+                        <a:rPr lang="en-US" sz="1400" dirty="0"/>
+                        <a:t>Step “7” Output for integration with other Business solutions.</a:t>
                       </a:r>
+                    </a:p>
+                    <a:p>
                       <a:endParaRPr lang="en-US" sz="1400" dirty="0"/>
                     </a:p>
                   </a:txBody>
